--- a/2025-WugDaysPraha/Centrální správa NuGetů jednoduše/Prezentace.pptx
+++ b/2025-WugDaysPraha/Centrální správa NuGetů jednoduše/Prezentace.pptx
@@ -5887,6 +5887,36 @@
           </a:p>
         </p:txBody>
       </p:sp>
+      <p:pic>
+        <p:nvPicPr>
+          <p:cNvPr id="5" name="Obrázek 4">
+            <a:extLst>
+              <a:ext uri="{FF2B5EF4-FFF2-40B4-BE49-F238E27FC236}">
+                <a16:creationId xmlns:a16="http://schemas.microsoft.com/office/drawing/2014/main" id="{E2F9E79C-1249-DFD9-021B-74B2B26146F9}"/>
+              </a:ext>
+            </a:extLst>
+          </p:cNvPr>
+          <p:cNvPicPr>
+            <a:picLocks noChangeAspect="1"/>
+          </p:cNvPicPr>
+          <p:nvPr/>
+        </p:nvPicPr>
+        <p:blipFill>
+          <a:blip r:embed="rId4"/>
+          <a:stretch>
+            <a:fillRect/>
+          </a:stretch>
+        </p:blipFill>
+        <p:spPr>
+          <a:xfrm>
+            <a:off x="7858124" y="3238499"/>
+            <a:ext cx="3228975" cy="3199621"/>
+          </a:xfrm>
+          <a:prstGeom prst="rect">
+            <a:avLst/>
+          </a:prstGeom>
+        </p:spPr>
+      </p:pic>
     </p:spTree>
     <p:custDataLst>
       <p:tags r:id="rId1"/>
@@ -8559,62 +8589,214 @@
       </p:sp>
       <p:sp>
         <p:nvSpPr>
-          <p:cNvPr id="7" name="Podnadpis 6"/>
-          <p:cNvSpPr>
-            <a:spLocks noGrp="1"/>
-          </p:cNvSpPr>
-          <p:nvPr>
-            <p:ph type="subTitle" idx="1"/>
-          </p:nvPr>
-        </p:nvSpPr>
-        <p:spPr/>
-        <p:txBody>
-          <a:bodyPr>
+          <p:cNvPr id="4" name="Podnadpis 1">
+            <a:extLst>
+              <a:ext uri="{FF2B5EF4-FFF2-40B4-BE49-F238E27FC236}">
+                <a16:creationId xmlns:a16="http://schemas.microsoft.com/office/drawing/2014/main" id="{F58AEEB2-593E-30C0-BE1C-09B8A7C5EA58}"/>
+              </a:ext>
+            </a:extLst>
+          </p:cNvPr>
+          <p:cNvSpPr txBox="1">
+            <a:spLocks/>
+          </p:cNvSpPr>
+          <p:nvPr/>
+        </p:nvSpPr>
+        <p:spPr>
+          <a:xfrm>
+            <a:off x="814918" y="4052664"/>
+            <a:ext cx="10561669" cy="1968624"/>
+          </a:xfrm>
+          <a:prstGeom prst="rect">
+            <a:avLst/>
+          </a:prstGeom>
+        </p:spPr>
+        <p:txBody>
+          <a:bodyPr vert="horz" lIns="0" tIns="0" rIns="0" bIns="0" rtlCol="0" anchor="b" anchorCtr="0">
             <a:normAutofit/>
           </a:bodyPr>
-          <a:lstStyle/>
+          <a:lstStyle>
+            <a:lvl1pPr marL="0" indent="0" algn="l" defTabSz="914400" rtl="0" eaLnBrk="1" latinLnBrk="0" hangingPunct="1">
+              <a:spcBef>
+                <a:spcPct val="20000"/>
+              </a:spcBef>
+              <a:buClr>
+                <a:schemeClr val="tx2"/>
+              </a:buClr>
+              <a:buFont typeface="Wingdings" pitchFamily="2" charset="2"/>
+              <a:buNone/>
+              <a:defRPr sz="2000" kern="1200" spc="-60" baseline="0">
+                <a:solidFill>
+                  <a:schemeClr val="tx1">
+                    <a:tint val="75000"/>
+                  </a:schemeClr>
+                </a:solidFill>
+                <a:latin typeface="Segoe UI" panose="020B0502040204020203" pitchFamily="34" charset="0"/>
+                <a:ea typeface="+mn-ea"/>
+                <a:cs typeface="Segoe UI" panose="020B0502040204020203" pitchFamily="34" charset="0"/>
+              </a:defRPr>
+            </a:lvl1pPr>
+            <a:lvl2pPr marL="457200" indent="0" algn="ctr" defTabSz="914400" rtl="0" eaLnBrk="1" latinLnBrk="0" hangingPunct="1">
+              <a:spcBef>
+                <a:spcPct val="20000"/>
+              </a:spcBef>
+              <a:buClr>
+                <a:schemeClr val="tx2"/>
+              </a:buClr>
+              <a:buFont typeface="Arial" pitchFamily="34" charset="0"/>
+              <a:buNone/>
+              <a:defRPr sz="2400" kern="1200">
+                <a:solidFill>
+                  <a:schemeClr val="tx1">
+                    <a:tint val="75000"/>
+                  </a:schemeClr>
+                </a:solidFill>
+                <a:latin typeface="Segoe UI" panose="020B0502040204020203" pitchFamily="34" charset="0"/>
+                <a:ea typeface="+mn-ea"/>
+                <a:cs typeface="Segoe UI" panose="020B0502040204020203" pitchFamily="34" charset="0"/>
+              </a:defRPr>
+            </a:lvl2pPr>
+            <a:lvl3pPr marL="914400" indent="0" algn="ctr" defTabSz="914400" rtl="0" eaLnBrk="1" latinLnBrk="0" hangingPunct="1">
+              <a:spcBef>
+                <a:spcPct val="20000"/>
+              </a:spcBef>
+              <a:buClr>
+                <a:schemeClr val="tx2"/>
+              </a:buClr>
+              <a:buSzPct val="90000"/>
+              <a:buFont typeface="Wingdings" pitchFamily="2" charset="2"/>
+              <a:buNone/>
+              <a:defRPr sz="2400" kern="1200">
+                <a:solidFill>
+                  <a:schemeClr val="tx1">
+                    <a:tint val="75000"/>
+                  </a:schemeClr>
+                </a:solidFill>
+                <a:latin typeface="Segoe UI" panose="020B0502040204020203" pitchFamily="34" charset="0"/>
+                <a:ea typeface="+mn-ea"/>
+                <a:cs typeface="Segoe UI" panose="020B0502040204020203" pitchFamily="34" charset="0"/>
+              </a:defRPr>
+            </a:lvl3pPr>
+            <a:lvl4pPr marL="1371600" indent="0" algn="ctr" defTabSz="914400" rtl="0" eaLnBrk="1" latinLnBrk="0" hangingPunct="1">
+              <a:spcBef>
+                <a:spcPct val="20000"/>
+              </a:spcBef>
+              <a:buClr>
+                <a:schemeClr val="tx2"/>
+              </a:buClr>
+              <a:buSzPct val="90000"/>
+              <a:buFont typeface="Arial" pitchFamily="34" charset="0"/>
+              <a:buNone/>
+              <a:defRPr sz="2000" kern="1200">
+                <a:solidFill>
+                  <a:schemeClr val="tx1">
+                    <a:tint val="75000"/>
+                  </a:schemeClr>
+                </a:solidFill>
+                <a:latin typeface="Segoe UI" panose="020B0502040204020203" pitchFamily="34" charset="0"/>
+                <a:ea typeface="+mn-ea"/>
+                <a:cs typeface="Segoe UI" panose="020B0502040204020203" pitchFamily="34" charset="0"/>
+              </a:defRPr>
+            </a:lvl4pPr>
+            <a:lvl5pPr marL="1828800" indent="0" algn="ctr" defTabSz="914400" rtl="0" eaLnBrk="1" latinLnBrk="0" hangingPunct="1">
+              <a:spcBef>
+                <a:spcPct val="20000"/>
+              </a:spcBef>
+              <a:buClr>
+                <a:schemeClr val="tx2"/>
+              </a:buClr>
+              <a:buSzPct val="90000"/>
+              <a:buFont typeface="Wingdings" pitchFamily="2" charset="2"/>
+              <a:buNone/>
+              <a:defRPr sz="2000" i="1" kern="1200">
+                <a:solidFill>
+                  <a:schemeClr val="tx1">
+                    <a:tint val="75000"/>
+                  </a:schemeClr>
+                </a:solidFill>
+                <a:latin typeface="Segoe UI" panose="020B0502040204020203" pitchFamily="34" charset="0"/>
+                <a:ea typeface="+mn-ea"/>
+                <a:cs typeface="Segoe UI" panose="020B0502040204020203" pitchFamily="34" charset="0"/>
+              </a:defRPr>
+            </a:lvl5pPr>
+            <a:lvl6pPr marL="2286000" indent="0" algn="ctr" defTabSz="914400" rtl="0" eaLnBrk="1" latinLnBrk="0" hangingPunct="1">
+              <a:spcBef>
+                <a:spcPct val="20000"/>
+              </a:spcBef>
+              <a:buFont typeface="Arial" pitchFamily="34" charset="0"/>
+              <a:buNone/>
+              <a:defRPr sz="2000" kern="1200">
+                <a:solidFill>
+                  <a:schemeClr val="tx1">
+                    <a:tint val="75000"/>
+                  </a:schemeClr>
+                </a:solidFill>
+                <a:latin typeface="+mn-lt"/>
+                <a:ea typeface="+mn-ea"/>
+                <a:cs typeface="+mn-cs"/>
+              </a:defRPr>
+            </a:lvl6pPr>
+            <a:lvl7pPr marL="2743200" indent="0" algn="ctr" defTabSz="914400" rtl="0" eaLnBrk="1" latinLnBrk="0" hangingPunct="1">
+              <a:spcBef>
+                <a:spcPct val="20000"/>
+              </a:spcBef>
+              <a:buFont typeface="Arial" pitchFamily="34" charset="0"/>
+              <a:buNone/>
+              <a:defRPr sz="2000" kern="1200">
+                <a:solidFill>
+                  <a:schemeClr val="tx1">
+                    <a:tint val="75000"/>
+                  </a:schemeClr>
+                </a:solidFill>
+                <a:latin typeface="+mn-lt"/>
+                <a:ea typeface="+mn-ea"/>
+                <a:cs typeface="+mn-cs"/>
+              </a:defRPr>
+            </a:lvl7pPr>
+            <a:lvl8pPr marL="3200400" indent="0" algn="ctr" defTabSz="914400" rtl="0" eaLnBrk="1" latinLnBrk="0" hangingPunct="1">
+              <a:spcBef>
+                <a:spcPct val="20000"/>
+              </a:spcBef>
+              <a:buFont typeface="Arial" pitchFamily="34" charset="0"/>
+              <a:buNone/>
+              <a:defRPr sz="2000" kern="1200">
+                <a:solidFill>
+                  <a:schemeClr val="tx1">
+                    <a:tint val="75000"/>
+                  </a:schemeClr>
+                </a:solidFill>
+                <a:latin typeface="+mn-lt"/>
+                <a:ea typeface="+mn-ea"/>
+                <a:cs typeface="+mn-cs"/>
+              </a:defRPr>
+            </a:lvl8pPr>
+            <a:lvl9pPr marL="3657600" indent="0" algn="ctr" defTabSz="914400" rtl="0" eaLnBrk="1" latinLnBrk="0" hangingPunct="1">
+              <a:spcBef>
+                <a:spcPct val="20000"/>
+              </a:spcBef>
+              <a:buFont typeface="Arial" pitchFamily="34" charset="0"/>
+              <a:buNone/>
+              <a:defRPr sz="2000" kern="1200">
+                <a:solidFill>
+                  <a:schemeClr val="tx1">
+                    <a:tint val="75000"/>
+                  </a:schemeClr>
+                </a:solidFill>
+                <a:latin typeface="+mn-lt"/>
+                <a:ea typeface="+mn-ea"/>
+                <a:cs typeface="+mn-cs"/>
+              </a:defRPr>
+            </a:lvl9pPr>
+          </a:lstStyle>
           <a:p>
             <a:r>
               <a:rPr lang="cs-CZ" b="1" dirty="0"/>
-              <a:t>RNDr. David Gešvindr, Ph.D.</a:t>
-            </a:r>
-          </a:p>
-          <a:p>
-            <a:r>
-              <a:rPr lang="cs-CZ" dirty="0"/>
-              <a:t>MVP: Data </a:t>
-            </a:r>
-            <a:r>
-              <a:rPr lang="cs-CZ" dirty="0" err="1"/>
-              <a:t>Platform</a:t>
-            </a:r>
-            <a:r>
-              <a:rPr lang="cs-CZ" dirty="0"/>
-              <a:t> </a:t>
-            </a:r>
-            <a:r>
-              <a:rPr lang="en-US" dirty="0"/>
-              <a:t>|</a:t>
-            </a:r>
-            <a:r>
-              <a:rPr lang="cs-CZ" dirty="0"/>
-              <a:t> MCSE: Data </a:t>
-            </a:r>
-            <a:r>
-              <a:rPr lang="cs-CZ" dirty="0" err="1"/>
-              <a:t>Platform</a:t>
-            </a:r>
-            <a:r>
-              <a:rPr lang="cs-CZ" dirty="0"/>
-              <a:t> </a:t>
-            </a:r>
-            <a:r>
-              <a:rPr lang="en-US" dirty="0"/>
-              <a:t>|</a:t>
-            </a:r>
-            <a:r>
-              <a:rPr lang="cs-CZ" dirty="0"/>
-              <a:t> MCT</a:t>
+              <a:t>Ing. Radek Zahradník, Ph.D.</a:t>
+            </a:r>
+          </a:p>
+          <a:p>
+            <a:r>
+              <a:rPr lang="cs-CZ" dirty="0"/>
+              <a:t>Nadšený .NET vývojář z Hradce</a:t>
             </a:r>
           </a:p>
           <a:p>
@@ -8622,7 +8804,7 @@
               <a:rPr lang="cs-CZ" dirty="0">
                 <a:hlinkClick r:id="rId3"/>
               </a:rPr>
-              <a:t>david@wug.cz</a:t>
+              <a:t>radekzahradnik.cz</a:t>
             </a:r>
             <a:r>
               <a:rPr lang="cs-CZ" dirty="0"/>
